--- a/JS/05. Lambda functions/JS_05.pptx
+++ b/JS/05. Lambda functions/JS_05.pptx
@@ -7,12 +7,6 @@
   <p:sldIdLst>
     <p:sldId id="256" r:id="rId2"/>
     <p:sldId id="258" r:id="rId3"/>
-    <p:sldId id="264" r:id="rId4"/>
-    <p:sldId id="259" r:id="rId5"/>
-    <p:sldId id="260" r:id="rId6"/>
-    <p:sldId id="261" r:id="rId7"/>
-    <p:sldId id="262" r:id="rId8"/>
-    <p:sldId id="263" r:id="rId9"/>
   </p:sldIdLst>
   <p:sldSz cx="12192000" cy="6858000"/>
   <p:notesSz cx="6858000" cy="9144000"/>
@@ -332,7 +326,7 @@
           <a:p>
             <a:fld id="{4DE3B8FE-1D2D-49AE-BFC8-FB35E95B8F74}" type="datetimeFigureOut">
               <a:rPr lang="en-US" smtClean="0"/>
-              <a:t>11/21/2024</a:t>
+              <a:t>11/26/2024</a:t>
             </a:fld>
             <a:endParaRPr lang="en-US"/>
           </a:p>
@@ -623,7 +617,7 @@
           <a:p>
             <a:fld id="{4DE3B8FE-1D2D-49AE-BFC8-FB35E95B8F74}" type="datetimeFigureOut">
               <a:rPr lang="en-US" smtClean="0"/>
-              <a:t>11/21/2024</a:t>
+              <a:t>11/26/2024</a:t>
             </a:fld>
             <a:endParaRPr lang="en-US"/>
           </a:p>
@@ -882,7 +876,7 @@
           <a:p>
             <a:fld id="{4DE3B8FE-1D2D-49AE-BFC8-FB35E95B8F74}" type="datetimeFigureOut">
               <a:rPr lang="en-US" smtClean="0"/>
-              <a:t>11/21/2024</a:t>
+              <a:t>11/26/2024</a:t>
             </a:fld>
             <a:endParaRPr lang="en-US"/>
           </a:p>
@@ -1351,7 +1345,7 @@
           <a:p>
             <a:fld id="{4DE3B8FE-1D2D-49AE-BFC8-FB35E95B8F74}" type="datetimeFigureOut">
               <a:rPr lang="en-US" smtClean="0"/>
-              <a:t>11/21/2024</a:t>
+              <a:t>11/26/2024</a:t>
             </a:fld>
             <a:endParaRPr lang="en-US"/>
           </a:p>
@@ -1531,7 +1525,7 @@
           <a:p>
             <a:fld id="{4DE3B8FE-1D2D-49AE-BFC8-FB35E95B8F74}" type="datetimeFigureOut">
               <a:rPr lang="en-US" smtClean="0"/>
-              <a:t>11/21/2024</a:t>
+              <a:t>11/26/2024</a:t>
             </a:fld>
             <a:endParaRPr lang="en-US"/>
           </a:p>
@@ -2107,7 +2101,7 @@
           <a:p>
             <a:fld id="{4DE3B8FE-1D2D-49AE-BFC8-FB35E95B8F74}" type="datetimeFigureOut">
               <a:rPr lang="en-US" smtClean="0"/>
-              <a:t>11/21/2024</a:t>
+              <a:t>11/26/2024</a:t>
             </a:fld>
             <a:endParaRPr lang="en-US"/>
           </a:p>
@@ -2439,7 +2433,7 @@
           <a:p>
             <a:fld id="{4DE3B8FE-1D2D-49AE-BFC8-FB35E95B8F74}" type="datetimeFigureOut">
               <a:rPr lang="en-US" smtClean="0"/>
-              <a:t>11/21/2024</a:t>
+              <a:t>11/26/2024</a:t>
             </a:fld>
             <a:endParaRPr lang="en-US"/>
           </a:p>
@@ -2614,7 +2608,7 @@
           <a:p>
             <a:fld id="{4DE3B8FE-1D2D-49AE-BFC8-FB35E95B8F74}" type="datetimeFigureOut">
               <a:rPr lang="en-US" smtClean="0"/>
-              <a:t>11/21/2024</a:t>
+              <a:t>11/26/2024</a:t>
             </a:fld>
             <a:endParaRPr lang="en-US"/>
           </a:p>
@@ -2794,7 +2788,7 @@
           <a:p>
             <a:fld id="{4DE3B8FE-1D2D-49AE-BFC8-FB35E95B8F74}" type="datetimeFigureOut">
               <a:rPr lang="en-US" smtClean="0"/>
-              <a:t>11/21/2024</a:t>
+              <a:t>11/26/2024</a:t>
             </a:fld>
             <a:endParaRPr lang="en-US"/>
           </a:p>
@@ -2964,7 +2958,7 @@
           <a:p>
             <a:fld id="{4DE3B8FE-1D2D-49AE-BFC8-FB35E95B8F74}" type="datetimeFigureOut">
               <a:rPr lang="en-US" smtClean="0"/>
-              <a:t>11/21/2024</a:t>
+              <a:t>11/26/2024</a:t>
             </a:fld>
             <a:endParaRPr lang="en-US"/>
           </a:p>
@@ -3221,7 +3215,7 @@
           <a:p>
             <a:fld id="{4DE3B8FE-1D2D-49AE-BFC8-FB35E95B8F74}" type="datetimeFigureOut">
               <a:rPr lang="en-US" smtClean="0"/>
-              <a:t>11/21/2024</a:t>
+              <a:t>11/26/2024</a:t>
             </a:fld>
             <a:endParaRPr lang="en-US"/>
           </a:p>
@@ -3513,7 +3507,7 @@
           <a:p>
             <a:fld id="{4DE3B8FE-1D2D-49AE-BFC8-FB35E95B8F74}" type="datetimeFigureOut">
               <a:rPr lang="en-US" smtClean="0"/>
-              <a:t>11/21/2024</a:t>
+              <a:t>11/26/2024</a:t>
             </a:fld>
             <a:endParaRPr lang="en-US"/>
           </a:p>
@@ -3943,7 +3937,7 @@
           <a:p>
             <a:fld id="{4DE3B8FE-1D2D-49AE-BFC8-FB35E95B8F74}" type="datetimeFigureOut">
               <a:rPr lang="en-US" smtClean="0"/>
-              <a:t>11/21/2024</a:t>
+              <a:t>11/26/2024</a:t>
             </a:fld>
             <a:endParaRPr lang="en-US"/>
           </a:p>
@@ -4061,7 +4055,7 @@
           <a:p>
             <a:fld id="{4DE3B8FE-1D2D-49AE-BFC8-FB35E95B8F74}" type="datetimeFigureOut">
               <a:rPr lang="en-US" smtClean="0"/>
-              <a:t>11/21/2024</a:t>
+              <a:t>11/26/2024</a:t>
             </a:fld>
             <a:endParaRPr lang="en-US"/>
           </a:p>
@@ -4156,7 +4150,7 @@
           <a:p>
             <a:fld id="{4DE3B8FE-1D2D-49AE-BFC8-FB35E95B8F74}" type="datetimeFigureOut">
               <a:rPr lang="en-US" smtClean="0"/>
-              <a:t>11/21/2024</a:t>
+              <a:t>11/26/2024</a:t>
             </a:fld>
             <a:endParaRPr lang="en-US"/>
           </a:p>
@@ -4439,7 +4433,7 @@
           <a:p>
             <a:fld id="{4DE3B8FE-1D2D-49AE-BFC8-FB35E95B8F74}" type="datetimeFigureOut">
               <a:rPr lang="en-US" smtClean="0"/>
-              <a:t>11/21/2024</a:t>
+              <a:t>11/26/2024</a:t>
             </a:fld>
             <a:endParaRPr lang="en-US"/>
           </a:p>
@@ -4730,7 +4724,7 @@
           <a:p>
             <a:fld id="{4DE3B8FE-1D2D-49AE-BFC8-FB35E95B8F74}" type="datetimeFigureOut">
               <a:rPr lang="en-US" smtClean="0"/>
-              <a:t>11/21/2024</a:t>
+              <a:t>11/26/2024</a:t>
             </a:fld>
             <a:endParaRPr lang="en-US"/>
           </a:p>
@@ -4961,7 +4955,7 @@
           <a:p>
             <a:fld id="{4DE3B8FE-1D2D-49AE-BFC8-FB35E95B8F74}" type="datetimeFigureOut">
               <a:rPr lang="en-US" smtClean="0"/>
-              <a:t>11/21/2024</a:t>
+              <a:t>11/26/2024</a:t>
             </a:fld>
             <a:endParaRPr lang="en-US"/>
           </a:p>
@@ -5832,11 +5826,11 @@
             </a:r>
             <a:r>
               <a:rPr lang="en-US" dirty="0"/>
-              <a:t>3</a:t>
+              <a:t>5</a:t>
             </a:r>
             <a:r>
               <a:rPr lang="hy-AM" dirty="0"/>
-              <a:t> Զանգվածներ եվ Մեթոդներ</a:t>
+              <a:t> Լամբդա արտահայտություններ</a:t>
             </a:r>
             <a:endParaRPr lang="en-US" dirty="0"/>
           </a:p>
@@ -5968,703 +5962,6 @@
     <p:extLst>
       <p:ext uri="{BB962C8B-B14F-4D97-AF65-F5344CB8AC3E}">
         <p14:creationId xmlns:p14="http://schemas.microsoft.com/office/powerpoint/2010/main" val="3176504739"/>
-      </p:ext>
-    </p:extLst>
-  </p:cSld>
-  <p:clrMapOvr>
-    <a:masterClrMapping/>
-  </p:clrMapOvr>
-</p:sld>
-</file>
-
-<file path=ppt/slides/slide3.xml><?xml version="1.0" encoding="utf-8"?>
-<p:sld xmlns:a="http://schemas.openxmlformats.org/drawingml/2006/main" xmlns:r="http://schemas.openxmlformats.org/officeDocument/2006/relationships" xmlns:p="http://schemas.openxmlformats.org/presentationml/2006/main">
-  <p:cSld>
-    <p:spTree>
-      <p:nvGrpSpPr>
-        <p:cNvPr id="1" name=""/>
-        <p:cNvGrpSpPr/>
-        <p:nvPr/>
-      </p:nvGrpSpPr>
-      <p:grpSpPr>
-        <a:xfrm>
-          <a:off x="0" y="0"/>
-          <a:ext cx="0" cy="0"/>
-          <a:chOff x="0" y="0"/>
-          <a:chExt cx="0" cy="0"/>
-        </a:xfrm>
-      </p:grpSpPr>
-      <p:sp>
-        <p:nvSpPr>
-          <p:cNvPr id="2" name="Заголовок 1">
-            <a:extLst>
-              <a:ext uri="{FF2B5EF4-FFF2-40B4-BE49-F238E27FC236}">
-                <a16:creationId xmlns:a16="http://schemas.microsoft.com/office/drawing/2014/main" id="{7D7173E1-5FA3-4794-8B1E-BBDED365BA35}"/>
-              </a:ext>
-            </a:extLst>
-          </p:cNvPr>
-          <p:cNvSpPr>
-            <a:spLocks noGrp="1"/>
-          </p:cNvSpPr>
-          <p:nvPr>
-            <p:ph type="title"/>
-          </p:nvPr>
-        </p:nvSpPr>
-        <p:spPr>
-          <a:xfrm>
-            <a:off x="243055" y="296780"/>
-            <a:ext cx="10649534" cy="573232"/>
-          </a:xfrm>
-        </p:spPr>
-        <p:txBody>
-          <a:bodyPr>
-            <a:normAutofit fontScale="90000"/>
-          </a:bodyPr>
-          <a:lstStyle/>
-          <a:p>
-            <a:r>
-              <a:rPr lang="en-US" b="1" dirty="0">
-                <a:solidFill>
-                  <a:schemeClr val="accent4">
-                    <a:lumMod val="75000"/>
-                  </a:schemeClr>
-                </a:solidFill>
-              </a:rPr>
-              <a:t>.map() .filter() .reduce()</a:t>
-            </a:r>
-          </a:p>
-        </p:txBody>
-      </p:sp>
-      <p:pic>
-        <p:nvPicPr>
-          <p:cNvPr id="7" name="Объект 6">
-            <a:extLst>
-              <a:ext uri="{FF2B5EF4-FFF2-40B4-BE49-F238E27FC236}">
-                <a16:creationId xmlns:a16="http://schemas.microsoft.com/office/drawing/2014/main" id="{9E1E6642-7ADC-45D3-ADC8-09EB9A2C2087}"/>
-              </a:ext>
-            </a:extLst>
-          </p:cNvPr>
-          <p:cNvPicPr>
-            <a:picLocks noGrp="1" noChangeAspect="1"/>
-          </p:cNvPicPr>
-          <p:nvPr>
-            <p:ph idx="1"/>
-          </p:nvPr>
-        </p:nvPicPr>
-        <p:blipFill>
-          <a:blip r:embed="rId2">
-            <a:extLst>
-              <a:ext uri="{28A0092B-C50C-407E-A947-70E740481C1C}">
-                <a14:useLocalDpi xmlns:a14="http://schemas.microsoft.com/office/drawing/2010/main" val="0"/>
-              </a:ext>
-            </a:extLst>
-          </a:blip>
-          <a:srcRect/>
-          <a:stretch/>
-        </p:blipFill>
-        <p:spPr>
-          <a:xfrm>
-            <a:off x="239422" y="870012"/>
-            <a:ext cx="11713157" cy="5761606"/>
-          </a:xfrm>
-        </p:spPr>
-      </p:pic>
-    </p:spTree>
-    <p:extLst>
-      <p:ext uri="{BB962C8B-B14F-4D97-AF65-F5344CB8AC3E}">
-        <p14:creationId xmlns:p14="http://schemas.microsoft.com/office/powerpoint/2010/main" val="3854122267"/>
-      </p:ext>
-    </p:extLst>
-  </p:cSld>
-  <p:clrMapOvr>
-    <a:masterClrMapping/>
-  </p:clrMapOvr>
-</p:sld>
-</file>
-
-<file path=ppt/slides/slide4.xml><?xml version="1.0" encoding="utf-8"?>
-<p:sld xmlns:a="http://schemas.openxmlformats.org/drawingml/2006/main" xmlns:r="http://schemas.openxmlformats.org/officeDocument/2006/relationships" xmlns:p="http://schemas.openxmlformats.org/presentationml/2006/main">
-  <p:cSld>
-    <p:spTree>
-      <p:nvGrpSpPr>
-        <p:cNvPr id="1" name=""/>
-        <p:cNvGrpSpPr/>
-        <p:nvPr/>
-      </p:nvGrpSpPr>
-      <p:grpSpPr>
-        <a:xfrm>
-          <a:off x="0" y="0"/>
-          <a:ext cx="0" cy="0"/>
-          <a:chOff x="0" y="0"/>
-          <a:chExt cx="0" cy="0"/>
-        </a:xfrm>
-      </p:grpSpPr>
-      <p:sp>
-        <p:nvSpPr>
-          <p:cNvPr id="2" name="Заголовок 1">
-            <a:extLst>
-              <a:ext uri="{FF2B5EF4-FFF2-40B4-BE49-F238E27FC236}">
-                <a16:creationId xmlns:a16="http://schemas.microsoft.com/office/drawing/2014/main" id="{7D7173E1-5FA3-4794-8B1E-BBDED365BA35}"/>
-              </a:ext>
-            </a:extLst>
-          </p:cNvPr>
-          <p:cNvSpPr>
-            <a:spLocks noGrp="1"/>
-          </p:cNvSpPr>
-          <p:nvPr>
-            <p:ph type="title"/>
-          </p:nvPr>
-        </p:nvSpPr>
-        <p:spPr>
-          <a:xfrm>
-            <a:off x="243055" y="296780"/>
-            <a:ext cx="10649534" cy="573232"/>
-          </a:xfrm>
-        </p:spPr>
-        <p:txBody>
-          <a:bodyPr>
-            <a:normAutofit fontScale="90000"/>
-          </a:bodyPr>
-          <a:lstStyle/>
-          <a:p>
-            <a:r>
-              <a:rPr lang="en-US" b="1" dirty="0">
-                <a:solidFill>
-                  <a:schemeClr val="accent4">
-                    <a:lumMod val="75000"/>
-                  </a:schemeClr>
-                </a:solidFill>
-              </a:rPr>
-              <a:t>.foreach(), .find(), .</a:t>
-            </a:r>
-            <a:r>
-              <a:rPr lang="en-US" b="1" dirty="0" err="1">
-                <a:solidFill>
-                  <a:schemeClr val="accent4">
-                    <a:lumMod val="75000"/>
-                  </a:schemeClr>
-                </a:solidFill>
-              </a:rPr>
-              <a:t>indexof</a:t>
-            </a:r>
-            <a:r>
-              <a:rPr lang="en-US" b="1" dirty="0">
-                <a:solidFill>
-                  <a:schemeClr val="accent4">
-                    <a:lumMod val="75000"/>
-                  </a:schemeClr>
-                </a:solidFill>
-              </a:rPr>
-              <a:t>(), .</a:t>
-            </a:r>
-            <a:r>
-              <a:rPr lang="en-US" b="1" dirty="0" err="1">
-                <a:solidFill>
-                  <a:schemeClr val="accent4">
-                    <a:lumMod val="75000"/>
-                  </a:schemeClr>
-                </a:solidFill>
-              </a:rPr>
-              <a:t>findindex</a:t>
-            </a:r>
-            <a:r>
-              <a:rPr lang="en-US" b="1" dirty="0">
-                <a:solidFill>
-                  <a:schemeClr val="accent4">
-                    <a:lumMod val="75000"/>
-                  </a:schemeClr>
-                </a:solidFill>
-              </a:rPr>
-              <a:t>()</a:t>
-            </a:r>
-          </a:p>
-        </p:txBody>
-      </p:sp>
-      <p:pic>
-        <p:nvPicPr>
-          <p:cNvPr id="7" name="Объект 6">
-            <a:extLst>
-              <a:ext uri="{FF2B5EF4-FFF2-40B4-BE49-F238E27FC236}">
-                <a16:creationId xmlns:a16="http://schemas.microsoft.com/office/drawing/2014/main" id="{9E1E6642-7ADC-45D3-ADC8-09EB9A2C2087}"/>
-              </a:ext>
-            </a:extLst>
-          </p:cNvPr>
-          <p:cNvPicPr>
-            <a:picLocks noGrp="1" noChangeAspect="1"/>
-          </p:cNvPicPr>
-          <p:nvPr>
-            <p:ph idx="1"/>
-          </p:nvPr>
-        </p:nvPicPr>
-        <p:blipFill>
-          <a:blip r:embed="rId2">
-            <a:extLst>
-              <a:ext uri="{28A0092B-C50C-407E-A947-70E740481C1C}">
-                <a14:useLocalDpi xmlns:a14="http://schemas.microsoft.com/office/drawing/2010/main" val="0"/>
-              </a:ext>
-            </a:extLst>
-          </a:blip>
-          <a:srcRect/>
-          <a:stretch/>
-        </p:blipFill>
-        <p:spPr>
-          <a:xfrm>
-            <a:off x="239423" y="870012"/>
-            <a:ext cx="11713155" cy="5761606"/>
-          </a:xfrm>
-        </p:spPr>
-      </p:pic>
-    </p:spTree>
-    <p:extLst>
-      <p:ext uri="{BB962C8B-B14F-4D97-AF65-F5344CB8AC3E}">
-        <p14:creationId xmlns:p14="http://schemas.microsoft.com/office/powerpoint/2010/main" val="2568921339"/>
-      </p:ext>
-    </p:extLst>
-  </p:cSld>
-  <p:clrMapOvr>
-    <a:masterClrMapping/>
-  </p:clrMapOvr>
-</p:sld>
-</file>
-
-<file path=ppt/slides/slide5.xml><?xml version="1.0" encoding="utf-8"?>
-<p:sld xmlns:a="http://schemas.openxmlformats.org/drawingml/2006/main" xmlns:r="http://schemas.openxmlformats.org/officeDocument/2006/relationships" xmlns:p="http://schemas.openxmlformats.org/presentationml/2006/main">
-  <p:cSld>
-    <p:spTree>
-      <p:nvGrpSpPr>
-        <p:cNvPr id="1" name=""/>
-        <p:cNvGrpSpPr/>
-        <p:nvPr/>
-      </p:nvGrpSpPr>
-      <p:grpSpPr>
-        <a:xfrm>
-          <a:off x="0" y="0"/>
-          <a:ext cx="0" cy="0"/>
-          <a:chOff x="0" y="0"/>
-          <a:chExt cx="0" cy="0"/>
-        </a:xfrm>
-      </p:grpSpPr>
-      <p:sp>
-        <p:nvSpPr>
-          <p:cNvPr id="2" name="Заголовок 1">
-            <a:extLst>
-              <a:ext uri="{FF2B5EF4-FFF2-40B4-BE49-F238E27FC236}">
-                <a16:creationId xmlns:a16="http://schemas.microsoft.com/office/drawing/2014/main" id="{7D7173E1-5FA3-4794-8B1E-BBDED365BA35}"/>
-              </a:ext>
-            </a:extLst>
-          </p:cNvPr>
-          <p:cNvSpPr>
-            <a:spLocks noGrp="1"/>
-          </p:cNvSpPr>
-          <p:nvPr>
-            <p:ph type="title"/>
-          </p:nvPr>
-        </p:nvSpPr>
-        <p:spPr>
-          <a:xfrm>
-            <a:off x="243055" y="296780"/>
-            <a:ext cx="10649534" cy="573232"/>
-          </a:xfrm>
-        </p:spPr>
-        <p:txBody>
-          <a:bodyPr>
-            <a:normAutofit fontScale="90000"/>
-          </a:bodyPr>
-          <a:lstStyle/>
-          <a:p>
-            <a:r>
-              <a:rPr lang="en-US" b="1" dirty="0">
-                <a:solidFill>
-                  <a:schemeClr val="accent4">
-                    <a:lumMod val="75000"/>
-                  </a:schemeClr>
-                </a:solidFill>
-              </a:rPr>
-              <a:t>.some(), .every(), .includes()</a:t>
-            </a:r>
-          </a:p>
-        </p:txBody>
-      </p:sp>
-      <p:pic>
-        <p:nvPicPr>
-          <p:cNvPr id="7" name="Объект 6">
-            <a:extLst>
-              <a:ext uri="{FF2B5EF4-FFF2-40B4-BE49-F238E27FC236}">
-                <a16:creationId xmlns:a16="http://schemas.microsoft.com/office/drawing/2014/main" id="{9E1E6642-7ADC-45D3-ADC8-09EB9A2C2087}"/>
-              </a:ext>
-            </a:extLst>
-          </p:cNvPr>
-          <p:cNvPicPr>
-            <a:picLocks noGrp="1" noChangeAspect="1"/>
-          </p:cNvPicPr>
-          <p:nvPr>
-            <p:ph idx="1"/>
-          </p:nvPr>
-        </p:nvPicPr>
-        <p:blipFill>
-          <a:blip r:embed="rId2">
-            <a:extLst>
-              <a:ext uri="{28A0092B-C50C-407E-A947-70E740481C1C}">
-                <a14:useLocalDpi xmlns:a14="http://schemas.microsoft.com/office/drawing/2010/main" val="0"/>
-              </a:ext>
-            </a:extLst>
-          </a:blip>
-          <a:srcRect/>
-          <a:stretch/>
-        </p:blipFill>
-        <p:spPr>
-          <a:xfrm>
-            <a:off x="239423" y="870012"/>
-            <a:ext cx="11713155" cy="5761605"/>
-          </a:xfrm>
-        </p:spPr>
-      </p:pic>
-    </p:spTree>
-    <p:extLst>
-      <p:ext uri="{BB962C8B-B14F-4D97-AF65-F5344CB8AC3E}">
-        <p14:creationId xmlns:p14="http://schemas.microsoft.com/office/powerpoint/2010/main" val="3670820549"/>
-      </p:ext>
-    </p:extLst>
-  </p:cSld>
-  <p:clrMapOvr>
-    <a:masterClrMapping/>
-  </p:clrMapOvr>
-</p:sld>
-</file>
-
-<file path=ppt/slides/slide6.xml><?xml version="1.0" encoding="utf-8"?>
-<p:sld xmlns:a="http://schemas.openxmlformats.org/drawingml/2006/main" xmlns:r="http://schemas.openxmlformats.org/officeDocument/2006/relationships" xmlns:p="http://schemas.openxmlformats.org/presentationml/2006/main">
-  <p:cSld>
-    <p:spTree>
-      <p:nvGrpSpPr>
-        <p:cNvPr id="1" name=""/>
-        <p:cNvGrpSpPr/>
-        <p:nvPr/>
-      </p:nvGrpSpPr>
-      <p:grpSpPr>
-        <a:xfrm>
-          <a:off x="0" y="0"/>
-          <a:ext cx="0" cy="0"/>
-          <a:chOff x="0" y="0"/>
-          <a:chExt cx="0" cy="0"/>
-        </a:xfrm>
-      </p:grpSpPr>
-      <p:sp>
-        <p:nvSpPr>
-          <p:cNvPr id="2" name="Заголовок 1">
-            <a:extLst>
-              <a:ext uri="{FF2B5EF4-FFF2-40B4-BE49-F238E27FC236}">
-                <a16:creationId xmlns:a16="http://schemas.microsoft.com/office/drawing/2014/main" id="{7D7173E1-5FA3-4794-8B1E-BBDED365BA35}"/>
-              </a:ext>
-            </a:extLst>
-          </p:cNvPr>
-          <p:cNvSpPr>
-            <a:spLocks noGrp="1"/>
-          </p:cNvSpPr>
-          <p:nvPr>
-            <p:ph type="title"/>
-          </p:nvPr>
-        </p:nvSpPr>
-        <p:spPr>
-          <a:xfrm>
-            <a:off x="243055" y="296780"/>
-            <a:ext cx="10649534" cy="573232"/>
-          </a:xfrm>
-        </p:spPr>
-        <p:txBody>
-          <a:bodyPr>
-            <a:normAutofit fontScale="90000"/>
-          </a:bodyPr>
-          <a:lstStyle/>
-          <a:p>
-            <a:r>
-              <a:rPr lang="en-US" b="1" dirty="0">
-                <a:solidFill>
-                  <a:schemeClr val="accent4">
-                    <a:lumMod val="75000"/>
-                  </a:schemeClr>
-                </a:solidFill>
-              </a:rPr>
-              <a:t>.sort(), .</a:t>
-            </a:r>
-            <a:r>
-              <a:rPr lang="en-US" b="1" dirty="0" err="1">
-                <a:solidFill>
-                  <a:schemeClr val="accent4">
-                    <a:lumMod val="75000"/>
-                  </a:schemeClr>
-                </a:solidFill>
-              </a:rPr>
-              <a:t>concat</a:t>
-            </a:r>
-            <a:r>
-              <a:rPr lang="en-US" b="1" dirty="0">
-                <a:solidFill>
-                  <a:schemeClr val="accent4">
-                    <a:lumMod val="75000"/>
-                  </a:schemeClr>
-                </a:solidFill>
-              </a:rPr>
-              <a:t>(), .reverse()</a:t>
-            </a:r>
-          </a:p>
-        </p:txBody>
-      </p:sp>
-      <p:pic>
-        <p:nvPicPr>
-          <p:cNvPr id="7" name="Объект 6">
-            <a:extLst>
-              <a:ext uri="{FF2B5EF4-FFF2-40B4-BE49-F238E27FC236}">
-                <a16:creationId xmlns:a16="http://schemas.microsoft.com/office/drawing/2014/main" id="{9E1E6642-7ADC-45D3-ADC8-09EB9A2C2087}"/>
-              </a:ext>
-            </a:extLst>
-          </p:cNvPr>
-          <p:cNvPicPr>
-            <a:picLocks noGrp="1" noChangeAspect="1"/>
-          </p:cNvPicPr>
-          <p:nvPr>
-            <p:ph idx="1"/>
-          </p:nvPr>
-        </p:nvPicPr>
-        <p:blipFill>
-          <a:blip r:embed="rId2">
-            <a:extLst>
-              <a:ext uri="{28A0092B-C50C-407E-A947-70E740481C1C}">
-                <a14:useLocalDpi xmlns:a14="http://schemas.microsoft.com/office/drawing/2010/main" val="0"/>
-              </a:ext>
-            </a:extLst>
-          </a:blip>
-          <a:srcRect/>
-          <a:stretch/>
-        </p:blipFill>
-        <p:spPr>
-          <a:xfrm>
-            <a:off x="239424" y="870012"/>
-            <a:ext cx="11713153" cy="5761605"/>
-          </a:xfrm>
-        </p:spPr>
-      </p:pic>
-    </p:spTree>
-    <p:extLst>
-      <p:ext uri="{BB962C8B-B14F-4D97-AF65-F5344CB8AC3E}">
-        <p14:creationId xmlns:p14="http://schemas.microsoft.com/office/powerpoint/2010/main" val="14794314"/>
-      </p:ext>
-    </p:extLst>
-  </p:cSld>
-  <p:clrMapOvr>
-    <a:masterClrMapping/>
-  </p:clrMapOvr>
-</p:sld>
-</file>
-
-<file path=ppt/slides/slide7.xml><?xml version="1.0" encoding="utf-8"?>
-<p:sld xmlns:a="http://schemas.openxmlformats.org/drawingml/2006/main" xmlns:r="http://schemas.openxmlformats.org/officeDocument/2006/relationships" xmlns:p="http://schemas.openxmlformats.org/presentationml/2006/main">
-  <p:cSld>
-    <p:spTree>
-      <p:nvGrpSpPr>
-        <p:cNvPr id="1" name=""/>
-        <p:cNvGrpSpPr/>
-        <p:nvPr/>
-      </p:nvGrpSpPr>
-      <p:grpSpPr>
-        <a:xfrm>
-          <a:off x="0" y="0"/>
-          <a:ext cx="0" cy="0"/>
-          <a:chOff x="0" y="0"/>
-          <a:chExt cx="0" cy="0"/>
-        </a:xfrm>
-      </p:grpSpPr>
-      <p:sp>
-        <p:nvSpPr>
-          <p:cNvPr id="2" name="Заголовок 1">
-            <a:extLst>
-              <a:ext uri="{FF2B5EF4-FFF2-40B4-BE49-F238E27FC236}">
-                <a16:creationId xmlns:a16="http://schemas.microsoft.com/office/drawing/2014/main" id="{7D7173E1-5FA3-4794-8B1E-BBDED365BA35}"/>
-              </a:ext>
-            </a:extLst>
-          </p:cNvPr>
-          <p:cNvSpPr>
-            <a:spLocks noGrp="1"/>
-          </p:cNvSpPr>
-          <p:nvPr>
-            <p:ph type="title"/>
-          </p:nvPr>
-        </p:nvSpPr>
-        <p:spPr>
-          <a:xfrm>
-            <a:off x="243055" y="296780"/>
-            <a:ext cx="10649534" cy="573232"/>
-          </a:xfrm>
-        </p:spPr>
-        <p:txBody>
-          <a:bodyPr>
-            <a:normAutofit fontScale="90000"/>
-          </a:bodyPr>
-          <a:lstStyle/>
-          <a:p>
-            <a:r>
-              <a:rPr lang="en-US" b="1" dirty="0">
-                <a:solidFill>
-                  <a:schemeClr val="accent4">
-                    <a:lumMod val="75000"/>
-                  </a:schemeClr>
-                </a:solidFill>
-              </a:rPr>
-              <a:t>.slice()</a:t>
-            </a:r>
-          </a:p>
-        </p:txBody>
-      </p:sp>
-      <p:pic>
-        <p:nvPicPr>
-          <p:cNvPr id="7" name="Объект 6">
-            <a:extLst>
-              <a:ext uri="{FF2B5EF4-FFF2-40B4-BE49-F238E27FC236}">
-                <a16:creationId xmlns:a16="http://schemas.microsoft.com/office/drawing/2014/main" id="{9E1E6642-7ADC-45D3-ADC8-09EB9A2C2087}"/>
-              </a:ext>
-            </a:extLst>
-          </p:cNvPr>
-          <p:cNvPicPr>
-            <a:picLocks noGrp="1" noChangeAspect="1"/>
-          </p:cNvPicPr>
-          <p:nvPr>
-            <p:ph idx="1"/>
-          </p:nvPr>
-        </p:nvPicPr>
-        <p:blipFill>
-          <a:blip r:embed="rId2">
-            <a:extLst>
-              <a:ext uri="{28A0092B-C50C-407E-A947-70E740481C1C}">
-                <a14:useLocalDpi xmlns:a14="http://schemas.microsoft.com/office/drawing/2010/main" val="0"/>
-              </a:ext>
-            </a:extLst>
-          </a:blip>
-          <a:srcRect/>
-          <a:stretch/>
-        </p:blipFill>
-        <p:spPr>
-          <a:xfrm>
-            <a:off x="239423" y="870012"/>
-            <a:ext cx="11713153" cy="5691208"/>
-          </a:xfrm>
-        </p:spPr>
-      </p:pic>
-    </p:spTree>
-    <p:extLst>
-      <p:ext uri="{BB962C8B-B14F-4D97-AF65-F5344CB8AC3E}">
-        <p14:creationId xmlns:p14="http://schemas.microsoft.com/office/powerpoint/2010/main" val="2359047809"/>
-      </p:ext>
-    </p:extLst>
-  </p:cSld>
-  <p:clrMapOvr>
-    <a:masterClrMapping/>
-  </p:clrMapOvr>
-</p:sld>
-</file>
-
-<file path=ppt/slides/slide8.xml><?xml version="1.0" encoding="utf-8"?>
-<p:sld xmlns:a="http://schemas.openxmlformats.org/drawingml/2006/main" xmlns:r="http://schemas.openxmlformats.org/officeDocument/2006/relationships" xmlns:p="http://schemas.openxmlformats.org/presentationml/2006/main">
-  <p:cSld>
-    <p:spTree>
-      <p:nvGrpSpPr>
-        <p:cNvPr id="1" name=""/>
-        <p:cNvGrpSpPr/>
-        <p:nvPr/>
-      </p:nvGrpSpPr>
-      <p:grpSpPr>
-        <a:xfrm>
-          <a:off x="0" y="0"/>
-          <a:ext cx="0" cy="0"/>
-          <a:chOff x="0" y="0"/>
-          <a:chExt cx="0" cy="0"/>
-        </a:xfrm>
-      </p:grpSpPr>
-      <p:sp>
-        <p:nvSpPr>
-          <p:cNvPr id="2" name="Заголовок 1">
-            <a:extLst>
-              <a:ext uri="{FF2B5EF4-FFF2-40B4-BE49-F238E27FC236}">
-                <a16:creationId xmlns:a16="http://schemas.microsoft.com/office/drawing/2014/main" id="{7D7173E1-5FA3-4794-8B1E-BBDED365BA35}"/>
-              </a:ext>
-            </a:extLst>
-          </p:cNvPr>
-          <p:cNvSpPr>
-            <a:spLocks noGrp="1"/>
-          </p:cNvSpPr>
-          <p:nvPr>
-            <p:ph type="title"/>
-          </p:nvPr>
-        </p:nvSpPr>
-        <p:spPr>
-          <a:xfrm>
-            <a:off x="243055" y="296780"/>
-            <a:ext cx="10649534" cy="573232"/>
-          </a:xfrm>
-        </p:spPr>
-        <p:txBody>
-          <a:bodyPr>
-            <a:normAutofit fontScale="90000"/>
-          </a:bodyPr>
-          <a:lstStyle/>
-          <a:p>
-            <a:r>
-              <a:rPr lang="en-US" b="1">
-                <a:solidFill>
-                  <a:schemeClr val="accent4">
-                    <a:lumMod val="75000"/>
-                  </a:schemeClr>
-                </a:solidFill>
-              </a:rPr>
-              <a:t>.splice()</a:t>
-            </a:r>
-            <a:endParaRPr lang="en-US" b="1" dirty="0">
-              <a:solidFill>
-                <a:schemeClr val="accent4">
-                  <a:lumMod val="75000"/>
-                </a:schemeClr>
-              </a:solidFill>
-            </a:endParaRPr>
-          </a:p>
-        </p:txBody>
-      </p:sp>
-      <p:pic>
-        <p:nvPicPr>
-          <p:cNvPr id="7" name="Объект 6">
-            <a:extLst>
-              <a:ext uri="{FF2B5EF4-FFF2-40B4-BE49-F238E27FC236}">
-                <a16:creationId xmlns:a16="http://schemas.microsoft.com/office/drawing/2014/main" id="{9E1E6642-7ADC-45D3-ADC8-09EB9A2C2087}"/>
-              </a:ext>
-            </a:extLst>
-          </p:cNvPr>
-          <p:cNvPicPr>
-            <a:picLocks noGrp="1" noChangeAspect="1"/>
-          </p:cNvPicPr>
-          <p:nvPr>
-            <p:ph idx="1"/>
-          </p:nvPr>
-        </p:nvPicPr>
-        <p:blipFill>
-          <a:blip r:embed="rId2">
-            <a:extLst>
-              <a:ext uri="{28A0092B-C50C-407E-A947-70E740481C1C}">
-                <a14:useLocalDpi xmlns:a14="http://schemas.microsoft.com/office/drawing/2010/main" val="0"/>
-              </a:ext>
-            </a:extLst>
-          </a:blip>
-          <a:srcRect/>
-          <a:stretch/>
-        </p:blipFill>
-        <p:spPr>
-          <a:xfrm>
-            <a:off x="243055" y="870011"/>
-            <a:ext cx="11713156" cy="5761607"/>
-          </a:xfrm>
-        </p:spPr>
-      </p:pic>
-    </p:spTree>
-    <p:extLst>
-      <p:ext uri="{BB962C8B-B14F-4D97-AF65-F5344CB8AC3E}">
-        <p14:creationId xmlns:p14="http://schemas.microsoft.com/office/powerpoint/2010/main" val="2810562843"/>
       </p:ext>
     </p:extLst>
   </p:cSld>

--- a/JS/05. Lambda functions/JS_05.pptx
+++ b/JS/05. Lambda functions/JS_05.pptx
@@ -5902,25 +5902,8 @@
                   </a:schemeClr>
                 </a:solidFill>
               </a:rPr>
-              <a:t>pop, push, shift</a:t>
-            </a:r>
-            <a:r>
-              <a:rPr lang="en-US" b="1">
-                <a:solidFill>
-                  <a:schemeClr val="accent4">
-                    <a:lumMod val="75000"/>
-                  </a:schemeClr>
-                </a:solidFill>
-              </a:rPr>
-              <a:t>, unshift</a:t>
-            </a:r>
-            <a:endParaRPr lang="en-US" b="1" dirty="0">
-              <a:solidFill>
-                <a:schemeClr val="accent4">
-                  <a:lumMod val="75000"/>
-                </a:schemeClr>
-              </a:solidFill>
-            </a:endParaRPr>
+              <a:t>function vs arrow function</a:t>
+            </a:r>
           </a:p>
         </p:txBody>
       </p:sp>
@@ -5954,7 +5937,7 @@
         <p:spPr>
           <a:xfrm>
             <a:off x="243056" y="870012"/>
-            <a:ext cx="11713155" cy="5761606"/>
+            <a:ext cx="11713155" cy="5761605"/>
           </a:xfrm>
         </p:spPr>
       </p:pic>

--- a/JS/05. Lambda functions/JS_05.pptx
+++ b/JS/05. Lambda functions/JS_05.pptx
@@ -7,6 +7,12 @@
   <p:sldIdLst>
     <p:sldId id="256" r:id="rId2"/>
     <p:sldId id="258" r:id="rId3"/>
+    <p:sldId id="259" r:id="rId4"/>
+    <p:sldId id="260" r:id="rId5"/>
+    <p:sldId id="261" r:id="rId6"/>
+    <p:sldId id="262" r:id="rId7"/>
+    <p:sldId id="263" r:id="rId8"/>
+    <p:sldId id="264" r:id="rId9"/>
   </p:sldIdLst>
   <p:sldSz cx="12192000" cy="6858000"/>
   <p:notesSz cx="6858000" cy="9144000"/>
@@ -326,7 +332,7 @@
           <a:p>
             <a:fld id="{4DE3B8FE-1D2D-49AE-BFC8-FB35E95B8F74}" type="datetimeFigureOut">
               <a:rPr lang="en-US" smtClean="0"/>
-              <a:t>11/26/2024</a:t>
+              <a:t>12/3/2024</a:t>
             </a:fld>
             <a:endParaRPr lang="en-US"/>
           </a:p>
@@ -617,7 +623,7 @@
           <a:p>
             <a:fld id="{4DE3B8FE-1D2D-49AE-BFC8-FB35E95B8F74}" type="datetimeFigureOut">
               <a:rPr lang="en-US" smtClean="0"/>
-              <a:t>11/26/2024</a:t>
+              <a:t>12/3/2024</a:t>
             </a:fld>
             <a:endParaRPr lang="en-US"/>
           </a:p>
@@ -876,7 +882,7 @@
           <a:p>
             <a:fld id="{4DE3B8FE-1D2D-49AE-BFC8-FB35E95B8F74}" type="datetimeFigureOut">
               <a:rPr lang="en-US" smtClean="0"/>
-              <a:t>11/26/2024</a:t>
+              <a:t>12/3/2024</a:t>
             </a:fld>
             <a:endParaRPr lang="en-US"/>
           </a:p>
@@ -1345,7 +1351,7 @@
           <a:p>
             <a:fld id="{4DE3B8FE-1D2D-49AE-BFC8-FB35E95B8F74}" type="datetimeFigureOut">
               <a:rPr lang="en-US" smtClean="0"/>
-              <a:t>11/26/2024</a:t>
+              <a:t>12/3/2024</a:t>
             </a:fld>
             <a:endParaRPr lang="en-US"/>
           </a:p>
@@ -1525,7 +1531,7 @@
           <a:p>
             <a:fld id="{4DE3B8FE-1D2D-49AE-BFC8-FB35E95B8F74}" type="datetimeFigureOut">
               <a:rPr lang="en-US" smtClean="0"/>
-              <a:t>11/26/2024</a:t>
+              <a:t>12/3/2024</a:t>
             </a:fld>
             <a:endParaRPr lang="en-US"/>
           </a:p>
@@ -2101,7 +2107,7 @@
           <a:p>
             <a:fld id="{4DE3B8FE-1D2D-49AE-BFC8-FB35E95B8F74}" type="datetimeFigureOut">
               <a:rPr lang="en-US" smtClean="0"/>
-              <a:t>11/26/2024</a:t>
+              <a:t>12/3/2024</a:t>
             </a:fld>
             <a:endParaRPr lang="en-US"/>
           </a:p>
@@ -2433,7 +2439,7 @@
           <a:p>
             <a:fld id="{4DE3B8FE-1D2D-49AE-BFC8-FB35E95B8F74}" type="datetimeFigureOut">
               <a:rPr lang="en-US" smtClean="0"/>
-              <a:t>11/26/2024</a:t>
+              <a:t>12/3/2024</a:t>
             </a:fld>
             <a:endParaRPr lang="en-US"/>
           </a:p>
@@ -2608,7 +2614,7 @@
           <a:p>
             <a:fld id="{4DE3B8FE-1D2D-49AE-BFC8-FB35E95B8F74}" type="datetimeFigureOut">
               <a:rPr lang="en-US" smtClean="0"/>
-              <a:t>11/26/2024</a:t>
+              <a:t>12/3/2024</a:t>
             </a:fld>
             <a:endParaRPr lang="en-US"/>
           </a:p>
@@ -2788,7 +2794,7 @@
           <a:p>
             <a:fld id="{4DE3B8FE-1D2D-49AE-BFC8-FB35E95B8F74}" type="datetimeFigureOut">
               <a:rPr lang="en-US" smtClean="0"/>
-              <a:t>11/26/2024</a:t>
+              <a:t>12/3/2024</a:t>
             </a:fld>
             <a:endParaRPr lang="en-US"/>
           </a:p>
@@ -2958,7 +2964,7 @@
           <a:p>
             <a:fld id="{4DE3B8FE-1D2D-49AE-BFC8-FB35E95B8F74}" type="datetimeFigureOut">
               <a:rPr lang="en-US" smtClean="0"/>
-              <a:t>11/26/2024</a:t>
+              <a:t>12/3/2024</a:t>
             </a:fld>
             <a:endParaRPr lang="en-US"/>
           </a:p>
@@ -3215,7 +3221,7 @@
           <a:p>
             <a:fld id="{4DE3B8FE-1D2D-49AE-BFC8-FB35E95B8F74}" type="datetimeFigureOut">
               <a:rPr lang="en-US" smtClean="0"/>
-              <a:t>11/26/2024</a:t>
+              <a:t>12/3/2024</a:t>
             </a:fld>
             <a:endParaRPr lang="en-US"/>
           </a:p>
@@ -3507,7 +3513,7 @@
           <a:p>
             <a:fld id="{4DE3B8FE-1D2D-49AE-BFC8-FB35E95B8F74}" type="datetimeFigureOut">
               <a:rPr lang="en-US" smtClean="0"/>
-              <a:t>11/26/2024</a:t>
+              <a:t>12/3/2024</a:t>
             </a:fld>
             <a:endParaRPr lang="en-US"/>
           </a:p>
@@ -3937,7 +3943,7 @@
           <a:p>
             <a:fld id="{4DE3B8FE-1D2D-49AE-BFC8-FB35E95B8F74}" type="datetimeFigureOut">
               <a:rPr lang="en-US" smtClean="0"/>
-              <a:t>11/26/2024</a:t>
+              <a:t>12/3/2024</a:t>
             </a:fld>
             <a:endParaRPr lang="en-US"/>
           </a:p>
@@ -4055,7 +4061,7 @@
           <a:p>
             <a:fld id="{4DE3B8FE-1D2D-49AE-BFC8-FB35E95B8F74}" type="datetimeFigureOut">
               <a:rPr lang="en-US" smtClean="0"/>
-              <a:t>11/26/2024</a:t>
+              <a:t>12/3/2024</a:t>
             </a:fld>
             <a:endParaRPr lang="en-US"/>
           </a:p>
@@ -4150,7 +4156,7 @@
           <a:p>
             <a:fld id="{4DE3B8FE-1D2D-49AE-BFC8-FB35E95B8F74}" type="datetimeFigureOut">
               <a:rPr lang="en-US" smtClean="0"/>
-              <a:t>11/26/2024</a:t>
+              <a:t>12/3/2024</a:t>
             </a:fld>
             <a:endParaRPr lang="en-US"/>
           </a:p>
@@ -4433,7 +4439,7 @@
           <a:p>
             <a:fld id="{4DE3B8FE-1D2D-49AE-BFC8-FB35E95B8F74}" type="datetimeFigureOut">
               <a:rPr lang="en-US" smtClean="0"/>
-              <a:t>11/26/2024</a:t>
+              <a:t>12/3/2024</a:t>
             </a:fld>
             <a:endParaRPr lang="en-US"/>
           </a:p>
@@ -4724,7 +4730,7 @@
           <a:p>
             <a:fld id="{4DE3B8FE-1D2D-49AE-BFC8-FB35E95B8F74}" type="datetimeFigureOut">
               <a:rPr lang="en-US" smtClean="0"/>
-              <a:t>11/26/2024</a:t>
+              <a:t>12/3/2024</a:t>
             </a:fld>
             <a:endParaRPr lang="en-US"/>
           </a:p>
@@ -4955,7 +4961,7 @@
           <a:p>
             <a:fld id="{4DE3B8FE-1D2D-49AE-BFC8-FB35E95B8F74}" type="datetimeFigureOut">
               <a:rPr lang="en-US" smtClean="0"/>
-              <a:t>11/26/2024</a:t>
+              <a:t>12/3/2024</a:t>
             </a:fld>
             <a:endParaRPr lang="en-US"/>
           </a:p>
@@ -5954,6 +5960,687 @@
 </p:sld>
 </file>
 
+<file path=ppt/slides/slide3.xml><?xml version="1.0" encoding="utf-8"?>
+<p:sld xmlns:a="http://schemas.openxmlformats.org/drawingml/2006/main" xmlns:r="http://schemas.openxmlformats.org/officeDocument/2006/relationships" xmlns:p="http://schemas.openxmlformats.org/presentationml/2006/main">
+  <p:cSld>
+    <p:spTree>
+      <p:nvGrpSpPr>
+        <p:cNvPr id="1" name=""/>
+        <p:cNvGrpSpPr/>
+        <p:nvPr/>
+      </p:nvGrpSpPr>
+      <p:grpSpPr>
+        <a:xfrm>
+          <a:off x="0" y="0"/>
+          <a:ext cx="0" cy="0"/>
+          <a:chOff x="0" y="0"/>
+          <a:chExt cx="0" cy="0"/>
+        </a:xfrm>
+      </p:grpSpPr>
+      <p:sp>
+        <p:nvSpPr>
+          <p:cNvPr id="2" name="Заголовок 1">
+            <a:extLst>
+              <a:ext uri="{FF2B5EF4-FFF2-40B4-BE49-F238E27FC236}">
+                <a16:creationId xmlns:a16="http://schemas.microsoft.com/office/drawing/2014/main" id="{7D7173E1-5FA3-4794-8B1E-BBDED365BA35}"/>
+              </a:ext>
+            </a:extLst>
+          </p:cNvPr>
+          <p:cNvSpPr>
+            <a:spLocks noGrp="1"/>
+          </p:cNvSpPr>
+          <p:nvPr>
+            <p:ph type="title"/>
+          </p:nvPr>
+        </p:nvSpPr>
+        <p:spPr>
+          <a:xfrm>
+            <a:off x="243055" y="296780"/>
+            <a:ext cx="10649534" cy="573232"/>
+          </a:xfrm>
+        </p:spPr>
+        <p:txBody>
+          <a:bodyPr>
+            <a:normAutofit fontScale="90000"/>
+          </a:bodyPr>
+          <a:lstStyle/>
+          <a:p>
+            <a:r>
+              <a:rPr lang="hy-AM" b="1" dirty="0">
+                <a:solidFill>
+                  <a:schemeClr val="accent4">
+                    <a:lumMod val="75000"/>
+                  </a:schemeClr>
+                </a:solidFill>
+              </a:rPr>
+              <a:t>Ներկառուցված ֆունկցիաներ</a:t>
+            </a:r>
+            <a:endParaRPr lang="en-US" b="1" dirty="0">
+              <a:solidFill>
+                <a:schemeClr val="accent4">
+                  <a:lumMod val="75000"/>
+                </a:schemeClr>
+              </a:solidFill>
+            </a:endParaRPr>
+          </a:p>
+        </p:txBody>
+      </p:sp>
+      <p:pic>
+        <p:nvPicPr>
+          <p:cNvPr id="7" name="Объект 6">
+            <a:extLst>
+              <a:ext uri="{FF2B5EF4-FFF2-40B4-BE49-F238E27FC236}">
+                <a16:creationId xmlns:a16="http://schemas.microsoft.com/office/drawing/2014/main" id="{9E1E6642-7ADC-45D3-ADC8-09EB9A2C2087}"/>
+              </a:ext>
+            </a:extLst>
+          </p:cNvPr>
+          <p:cNvPicPr>
+            <a:picLocks noGrp="1" noChangeAspect="1"/>
+          </p:cNvPicPr>
+          <p:nvPr>
+            <p:ph idx="1"/>
+          </p:nvPr>
+        </p:nvPicPr>
+        <p:blipFill>
+          <a:blip r:embed="rId2">
+            <a:extLst>
+              <a:ext uri="{28A0092B-C50C-407E-A947-70E740481C1C}">
+                <a14:useLocalDpi xmlns:a14="http://schemas.microsoft.com/office/drawing/2010/main" val="0"/>
+              </a:ext>
+            </a:extLst>
+          </a:blip>
+          <a:srcRect/>
+          <a:stretch/>
+        </p:blipFill>
+        <p:spPr>
+          <a:xfrm>
+            <a:off x="243057" y="870012"/>
+            <a:ext cx="11713153" cy="5761605"/>
+          </a:xfrm>
+        </p:spPr>
+      </p:pic>
+    </p:spTree>
+    <p:extLst>
+      <p:ext uri="{BB962C8B-B14F-4D97-AF65-F5344CB8AC3E}">
+        <p14:creationId xmlns:p14="http://schemas.microsoft.com/office/powerpoint/2010/main" val="1269005878"/>
+      </p:ext>
+    </p:extLst>
+  </p:cSld>
+  <p:clrMapOvr>
+    <a:masterClrMapping/>
+  </p:clrMapOvr>
+</p:sld>
+</file>
+
+<file path=ppt/slides/slide4.xml><?xml version="1.0" encoding="utf-8"?>
+<p:sld xmlns:a="http://schemas.openxmlformats.org/drawingml/2006/main" xmlns:r="http://schemas.openxmlformats.org/officeDocument/2006/relationships" xmlns:p="http://schemas.openxmlformats.org/presentationml/2006/main">
+  <p:cSld>
+    <p:spTree>
+      <p:nvGrpSpPr>
+        <p:cNvPr id="1" name=""/>
+        <p:cNvGrpSpPr/>
+        <p:nvPr/>
+      </p:nvGrpSpPr>
+      <p:grpSpPr>
+        <a:xfrm>
+          <a:off x="0" y="0"/>
+          <a:ext cx="0" cy="0"/>
+          <a:chOff x="0" y="0"/>
+          <a:chExt cx="0" cy="0"/>
+        </a:xfrm>
+      </p:grpSpPr>
+      <p:sp>
+        <p:nvSpPr>
+          <p:cNvPr id="2" name="Заголовок 1">
+            <a:extLst>
+              <a:ext uri="{FF2B5EF4-FFF2-40B4-BE49-F238E27FC236}">
+                <a16:creationId xmlns:a16="http://schemas.microsoft.com/office/drawing/2014/main" id="{7D7173E1-5FA3-4794-8B1E-BBDED365BA35}"/>
+              </a:ext>
+            </a:extLst>
+          </p:cNvPr>
+          <p:cNvSpPr>
+            <a:spLocks noGrp="1"/>
+          </p:cNvSpPr>
+          <p:nvPr>
+            <p:ph type="title"/>
+          </p:nvPr>
+        </p:nvSpPr>
+        <p:spPr>
+          <a:xfrm>
+            <a:off x="243055" y="296780"/>
+            <a:ext cx="10649534" cy="573232"/>
+          </a:xfrm>
+        </p:spPr>
+        <p:txBody>
+          <a:bodyPr>
+            <a:normAutofit fontScale="90000"/>
+          </a:bodyPr>
+          <a:lstStyle/>
+          <a:p>
+            <a:r>
+              <a:rPr lang="hy-AM" b="1" dirty="0">
+                <a:solidFill>
+                  <a:schemeClr val="accent4">
+                    <a:lumMod val="75000"/>
+                  </a:schemeClr>
+                </a:solidFill>
+              </a:rPr>
+              <a:t>Ֆունկցիաների փակվածքի մեխանիզմ</a:t>
+            </a:r>
+            <a:endParaRPr lang="en-US" b="1" dirty="0">
+              <a:solidFill>
+                <a:schemeClr val="accent4">
+                  <a:lumMod val="75000"/>
+                </a:schemeClr>
+              </a:solidFill>
+            </a:endParaRPr>
+          </a:p>
+        </p:txBody>
+      </p:sp>
+      <p:pic>
+        <p:nvPicPr>
+          <p:cNvPr id="7" name="Объект 6">
+            <a:extLst>
+              <a:ext uri="{FF2B5EF4-FFF2-40B4-BE49-F238E27FC236}">
+                <a16:creationId xmlns:a16="http://schemas.microsoft.com/office/drawing/2014/main" id="{9E1E6642-7ADC-45D3-ADC8-09EB9A2C2087}"/>
+              </a:ext>
+            </a:extLst>
+          </p:cNvPr>
+          <p:cNvPicPr>
+            <a:picLocks noGrp="1" noChangeAspect="1"/>
+          </p:cNvPicPr>
+          <p:nvPr>
+            <p:ph idx="1"/>
+          </p:nvPr>
+        </p:nvPicPr>
+        <p:blipFill>
+          <a:blip r:embed="rId2">
+            <a:extLst>
+              <a:ext uri="{28A0092B-C50C-407E-A947-70E740481C1C}">
+                <a14:useLocalDpi xmlns:a14="http://schemas.microsoft.com/office/drawing/2010/main" val="0"/>
+              </a:ext>
+            </a:extLst>
+          </a:blip>
+          <a:srcRect/>
+          <a:stretch/>
+        </p:blipFill>
+        <p:spPr>
+          <a:xfrm>
+            <a:off x="243057" y="870012"/>
+            <a:ext cx="11713153" cy="5761604"/>
+          </a:xfrm>
+        </p:spPr>
+      </p:pic>
+    </p:spTree>
+    <p:extLst>
+      <p:ext uri="{BB962C8B-B14F-4D97-AF65-F5344CB8AC3E}">
+        <p14:creationId xmlns:p14="http://schemas.microsoft.com/office/powerpoint/2010/main" val="268769181"/>
+      </p:ext>
+    </p:extLst>
+  </p:cSld>
+  <p:clrMapOvr>
+    <a:masterClrMapping/>
+  </p:clrMapOvr>
+</p:sld>
+</file>
+
+<file path=ppt/slides/slide5.xml><?xml version="1.0" encoding="utf-8"?>
+<p:sld xmlns:a="http://schemas.openxmlformats.org/drawingml/2006/main" xmlns:r="http://schemas.openxmlformats.org/officeDocument/2006/relationships" xmlns:p="http://schemas.openxmlformats.org/presentationml/2006/main">
+  <p:cSld>
+    <p:spTree>
+      <p:nvGrpSpPr>
+        <p:cNvPr id="1" name=""/>
+        <p:cNvGrpSpPr/>
+        <p:nvPr/>
+      </p:nvGrpSpPr>
+      <p:grpSpPr>
+        <a:xfrm>
+          <a:off x="0" y="0"/>
+          <a:ext cx="0" cy="0"/>
+          <a:chOff x="0" y="0"/>
+          <a:chExt cx="0" cy="0"/>
+        </a:xfrm>
+      </p:grpSpPr>
+      <p:sp>
+        <p:nvSpPr>
+          <p:cNvPr id="2" name="Заголовок 1">
+            <a:extLst>
+              <a:ext uri="{FF2B5EF4-FFF2-40B4-BE49-F238E27FC236}">
+                <a16:creationId xmlns:a16="http://schemas.microsoft.com/office/drawing/2014/main" id="{7D7173E1-5FA3-4794-8B1E-BBDED365BA35}"/>
+              </a:ext>
+            </a:extLst>
+          </p:cNvPr>
+          <p:cNvSpPr>
+            <a:spLocks noGrp="1"/>
+          </p:cNvSpPr>
+          <p:nvPr>
+            <p:ph type="title"/>
+          </p:nvPr>
+        </p:nvSpPr>
+        <p:spPr>
+          <a:xfrm>
+            <a:off x="243055" y="296780"/>
+            <a:ext cx="10649534" cy="573232"/>
+          </a:xfrm>
+        </p:spPr>
+        <p:txBody>
+          <a:bodyPr>
+            <a:normAutofit fontScale="90000"/>
+          </a:bodyPr>
+          <a:lstStyle/>
+          <a:p>
+            <a:r>
+              <a:rPr lang="hy-AM" b="1" dirty="0">
+                <a:solidFill>
+                  <a:schemeClr val="accent4">
+                    <a:lumMod val="75000"/>
+                  </a:schemeClr>
+                </a:solidFill>
+              </a:rPr>
+              <a:t>Բլոկային հասանելիություն </a:t>
+            </a:r>
+            <a:r>
+              <a:rPr lang="en-US" b="1" dirty="0">
+                <a:solidFill>
+                  <a:schemeClr val="accent4">
+                    <a:lumMod val="75000"/>
+                  </a:schemeClr>
+                </a:solidFill>
+              </a:rPr>
+              <a:t>(lexical scoping)</a:t>
+            </a:r>
+          </a:p>
+        </p:txBody>
+      </p:sp>
+      <p:pic>
+        <p:nvPicPr>
+          <p:cNvPr id="7" name="Объект 6">
+            <a:extLst>
+              <a:ext uri="{FF2B5EF4-FFF2-40B4-BE49-F238E27FC236}">
+                <a16:creationId xmlns:a16="http://schemas.microsoft.com/office/drawing/2014/main" id="{9E1E6642-7ADC-45D3-ADC8-09EB9A2C2087}"/>
+              </a:ext>
+            </a:extLst>
+          </p:cNvPr>
+          <p:cNvPicPr>
+            <a:picLocks noGrp="1" noChangeAspect="1"/>
+          </p:cNvPicPr>
+          <p:nvPr>
+            <p:ph idx="1"/>
+          </p:nvPr>
+        </p:nvPicPr>
+        <p:blipFill>
+          <a:blip r:embed="rId2">
+            <a:extLst>
+              <a:ext uri="{28A0092B-C50C-407E-A947-70E740481C1C}">
+                <a14:useLocalDpi xmlns:a14="http://schemas.microsoft.com/office/drawing/2010/main" val="0"/>
+              </a:ext>
+            </a:extLst>
+          </a:blip>
+          <a:srcRect/>
+          <a:stretch/>
+        </p:blipFill>
+        <p:spPr>
+          <a:xfrm>
+            <a:off x="243058" y="870012"/>
+            <a:ext cx="11713151" cy="5761604"/>
+          </a:xfrm>
+        </p:spPr>
+      </p:pic>
+    </p:spTree>
+    <p:extLst>
+      <p:ext uri="{BB962C8B-B14F-4D97-AF65-F5344CB8AC3E}">
+        <p14:creationId xmlns:p14="http://schemas.microsoft.com/office/powerpoint/2010/main" val="2198233895"/>
+      </p:ext>
+    </p:extLst>
+  </p:cSld>
+  <p:clrMapOvr>
+    <a:masterClrMapping/>
+  </p:clrMapOvr>
+</p:sld>
+</file>
+
+<file path=ppt/slides/slide6.xml><?xml version="1.0" encoding="utf-8"?>
+<p:sld xmlns:a="http://schemas.openxmlformats.org/drawingml/2006/main" xmlns:r="http://schemas.openxmlformats.org/officeDocument/2006/relationships" xmlns:p="http://schemas.openxmlformats.org/presentationml/2006/main">
+  <p:cSld>
+    <p:spTree>
+      <p:nvGrpSpPr>
+        <p:cNvPr id="1" name=""/>
+        <p:cNvGrpSpPr/>
+        <p:nvPr/>
+      </p:nvGrpSpPr>
+      <p:grpSpPr>
+        <a:xfrm>
+          <a:off x="0" y="0"/>
+          <a:ext cx="0" cy="0"/>
+          <a:chOff x="0" y="0"/>
+          <a:chExt cx="0" cy="0"/>
+        </a:xfrm>
+      </p:grpSpPr>
+      <p:sp>
+        <p:nvSpPr>
+          <p:cNvPr id="2" name="Заголовок 1">
+            <a:extLst>
+              <a:ext uri="{FF2B5EF4-FFF2-40B4-BE49-F238E27FC236}">
+                <a16:creationId xmlns:a16="http://schemas.microsoft.com/office/drawing/2014/main" id="{7D7173E1-5FA3-4794-8B1E-BBDED365BA35}"/>
+              </a:ext>
+            </a:extLst>
+          </p:cNvPr>
+          <p:cNvSpPr>
+            <a:spLocks noGrp="1"/>
+          </p:cNvSpPr>
+          <p:nvPr>
+            <p:ph type="title"/>
+          </p:nvPr>
+        </p:nvSpPr>
+        <p:spPr>
+          <a:xfrm>
+            <a:off x="243055" y="296780"/>
+            <a:ext cx="10649534" cy="573232"/>
+          </a:xfrm>
+        </p:spPr>
+        <p:txBody>
+          <a:bodyPr>
+            <a:normAutofit fontScale="90000"/>
+          </a:bodyPr>
+          <a:lstStyle/>
+          <a:p>
+            <a:r>
+              <a:rPr lang="hy-AM" b="1" dirty="0">
+                <a:solidFill>
+                  <a:schemeClr val="accent4">
+                    <a:lumMod val="75000"/>
+                  </a:schemeClr>
+                </a:solidFill>
+              </a:rPr>
+              <a:t>հայտարարում </a:t>
+            </a:r>
+            <a:r>
+              <a:rPr lang="en-US" b="1" dirty="0">
+                <a:solidFill>
+                  <a:schemeClr val="accent4">
+                    <a:lumMod val="75000"/>
+                  </a:schemeClr>
+                </a:solidFill>
+              </a:rPr>
+              <a:t>(hosting)</a:t>
+            </a:r>
+          </a:p>
+        </p:txBody>
+      </p:sp>
+      <p:pic>
+        <p:nvPicPr>
+          <p:cNvPr id="7" name="Объект 6">
+            <a:extLst>
+              <a:ext uri="{FF2B5EF4-FFF2-40B4-BE49-F238E27FC236}">
+                <a16:creationId xmlns:a16="http://schemas.microsoft.com/office/drawing/2014/main" id="{9E1E6642-7ADC-45D3-ADC8-09EB9A2C2087}"/>
+              </a:ext>
+            </a:extLst>
+          </p:cNvPr>
+          <p:cNvPicPr>
+            <a:picLocks noGrp="1" noChangeAspect="1"/>
+          </p:cNvPicPr>
+          <p:nvPr>
+            <p:ph idx="1"/>
+          </p:nvPr>
+        </p:nvPicPr>
+        <p:blipFill>
+          <a:blip r:embed="rId2">
+            <a:extLst>
+              <a:ext uri="{28A0092B-C50C-407E-A947-70E740481C1C}">
+                <a14:useLocalDpi xmlns:a14="http://schemas.microsoft.com/office/drawing/2010/main" val="0"/>
+              </a:ext>
+            </a:extLst>
+          </a:blip>
+          <a:srcRect/>
+          <a:stretch/>
+        </p:blipFill>
+        <p:spPr>
+          <a:xfrm>
+            <a:off x="243058" y="870012"/>
+            <a:ext cx="11713151" cy="5761603"/>
+          </a:xfrm>
+        </p:spPr>
+      </p:pic>
+    </p:spTree>
+    <p:extLst>
+      <p:ext uri="{BB962C8B-B14F-4D97-AF65-F5344CB8AC3E}">
+        <p14:creationId xmlns:p14="http://schemas.microsoft.com/office/powerpoint/2010/main" val="871445509"/>
+      </p:ext>
+    </p:extLst>
+  </p:cSld>
+  <p:clrMapOvr>
+    <a:masterClrMapping/>
+  </p:clrMapOvr>
+</p:sld>
+</file>
+
+<file path=ppt/slides/slide7.xml><?xml version="1.0" encoding="utf-8"?>
+<p:sld xmlns:a="http://schemas.openxmlformats.org/drawingml/2006/main" xmlns:r="http://schemas.openxmlformats.org/officeDocument/2006/relationships" xmlns:p="http://schemas.openxmlformats.org/presentationml/2006/main">
+  <p:cSld>
+    <p:spTree>
+      <p:nvGrpSpPr>
+        <p:cNvPr id="1" name=""/>
+        <p:cNvGrpSpPr/>
+        <p:nvPr/>
+      </p:nvGrpSpPr>
+      <p:grpSpPr>
+        <a:xfrm>
+          <a:off x="0" y="0"/>
+          <a:ext cx="0" cy="0"/>
+          <a:chOff x="0" y="0"/>
+          <a:chExt cx="0" cy="0"/>
+        </a:xfrm>
+      </p:grpSpPr>
+      <p:sp>
+        <p:nvSpPr>
+          <p:cNvPr id="2" name="Заголовок 1">
+            <a:extLst>
+              <a:ext uri="{FF2B5EF4-FFF2-40B4-BE49-F238E27FC236}">
+                <a16:creationId xmlns:a16="http://schemas.microsoft.com/office/drawing/2014/main" id="{7D7173E1-5FA3-4794-8B1E-BBDED365BA35}"/>
+              </a:ext>
+            </a:extLst>
+          </p:cNvPr>
+          <p:cNvSpPr>
+            <a:spLocks noGrp="1"/>
+          </p:cNvSpPr>
+          <p:nvPr>
+            <p:ph type="title"/>
+          </p:nvPr>
+        </p:nvSpPr>
+        <p:spPr>
+          <a:xfrm>
+            <a:off x="243055" y="296780"/>
+            <a:ext cx="10649534" cy="573232"/>
+          </a:xfrm>
+        </p:spPr>
+        <p:txBody>
+          <a:bodyPr>
+            <a:normAutofit fontScale="90000"/>
+          </a:bodyPr>
+          <a:lstStyle/>
+          <a:p>
+            <a:r>
+              <a:rPr lang="en-US" b="1" dirty="0" err="1">
+                <a:solidFill>
+                  <a:schemeClr val="accent4">
+                    <a:lumMod val="75000"/>
+                  </a:schemeClr>
+                </a:solidFill>
+              </a:rPr>
+              <a:t>IIFE</a:t>
+            </a:r>
+            <a:r>
+              <a:rPr lang="en-US" b="1" dirty="0">
+                <a:solidFill>
+                  <a:schemeClr val="accent4">
+                    <a:lumMod val="75000"/>
+                  </a:schemeClr>
+                </a:solidFill>
+              </a:rPr>
+              <a:t> (Immediately Invoked function)</a:t>
+            </a:r>
+          </a:p>
+        </p:txBody>
+      </p:sp>
+      <p:pic>
+        <p:nvPicPr>
+          <p:cNvPr id="7" name="Объект 6">
+            <a:extLst>
+              <a:ext uri="{FF2B5EF4-FFF2-40B4-BE49-F238E27FC236}">
+                <a16:creationId xmlns:a16="http://schemas.microsoft.com/office/drawing/2014/main" id="{9E1E6642-7ADC-45D3-ADC8-09EB9A2C2087}"/>
+              </a:ext>
+            </a:extLst>
+          </p:cNvPr>
+          <p:cNvPicPr>
+            <a:picLocks noGrp="1" noChangeAspect="1"/>
+          </p:cNvPicPr>
+          <p:nvPr>
+            <p:ph idx="1"/>
+          </p:nvPr>
+        </p:nvPicPr>
+        <p:blipFill>
+          <a:blip r:embed="rId2">
+            <a:extLst>
+              <a:ext uri="{28A0092B-C50C-407E-A947-70E740481C1C}">
+                <a14:useLocalDpi xmlns:a14="http://schemas.microsoft.com/office/drawing/2010/main" val="0"/>
+              </a:ext>
+            </a:extLst>
+          </a:blip>
+          <a:srcRect/>
+          <a:stretch/>
+        </p:blipFill>
+        <p:spPr>
+          <a:xfrm>
+            <a:off x="243059" y="870012"/>
+            <a:ext cx="11713149" cy="5761603"/>
+          </a:xfrm>
+        </p:spPr>
+      </p:pic>
+    </p:spTree>
+    <p:extLst>
+      <p:ext uri="{BB962C8B-B14F-4D97-AF65-F5344CB8AC3E}">
+        <p14:creationId xmlns:p14="http://schemas.microsoft.com/office/powerpoint/2010/main" val="2618863032"/>
+      </p:ext>
+    </p:extLst>
+  </p:cSld>
+  <p:clrMapOvr>
+    <a:masterClrMapping/>
+  </p:clrMapOvr>
+</p:sld>
+</file>
+
+<file path=ppt/slides/slide8.xml><?xml version="1.0" encoding="utf-8"?>
+<p:sld xmlns:a="http://schemas.openxmlformats.org/drawingml/2006/main" xmlns:r="http://schemas.openxmlformats.org/officeDocument/2006/relationships" xmlns:p="http://schemas.openxmlformats.org/presentationml/2006/main">
+  <p:cSld>
+    <p:spTree>
+      <p:nvGrpSpPr>
+        <p:cNvPr id="1" name=""/>
+        <p:cNvGrpSpPr/>
+        <p:nvPr/>
+      </p:nvGrpSpPr>
+      <p:grpSpPr>
+        <a:xfrm>
+          <a:off x="0" y="0"/>
+          <a:ext cx="0" cy="0"/>
+          <a:chOff x="0" y="0"/>
+          <a:chExt cx="0" cy="0"/>
+        </a:xfrm>
+      </p:grpSpPr>
+      <p:sp>
+        <p:nvSpPr>
+          <p:cNvPr id="2" name="Заголовок 1">
+            <a:extLst>
+              <a:ext uri="{FF2B5EF4-FFF2-40B4-BE49-F238E27FC236}">
+                <a16:creationId xmlns:a16="http://schemas.microsoft.com/office/drawing/2014/main" id="{7D7173E1-5FA3-4794-8B1E-BBDED365BA35}"/>
+              </a:ext>
+            </a:extLst>
+          </p:cNvPr>
+          <p:cNvSpPr>
+            <a:spLocks noGrp="1"/>
+          </p:cNvSpPr>
+          <p:nvPr>
+            <p:ph type="title"/>
+          </p:nvPr>
+        </p:nvSpPr>
+        <p:spPr>
+          <a:xfrm>
+            <a:off x="243055" y="296780"/>
+            <a:ext cx="10649534" cy="573232"/>
+          </a:xfrm>
+        </p:spPr>
+        <p:txBody>
+          <a:bodyPr>
+            <a:normAutofit fontScale="90000"/>
+          </a:bodyPr>
+          <a:lstStyle/>
+          <a:p>
+            <a:r>
+              <a:rPr lang="hy-AM" b="1" dirty="0">
+                <a:solidFill>
+                  <a:schemeClr val="accent4">
+                    <a:lumMod val="75000"/>
+                  </a:schemeClr>
+                </a:solidFill>
+              </a:rPr>
+              <a:t>տերնար օպերատորի վերադարձ</a:t>
+            </a:r>
+            <a:endParaRPr lang="en-US" b="1" dirty="0">
+              <a:solidFill>
+                <a:schemeClr val="accent4">
+                  <a:lumMod val="75000"/>
+                </a:schemeClr>
+              </a:solidFill>
+            </a:endParaRPr>
+          </a:p>
+        </p:txBody>
+      </p:sp>
+      <p:pic>
+        <p:nvPicPr>
+          <p:cNvPr id="7" name="Объект 6">
+            <a:extLst>
+              <a:ext uri="{FF2B5EF4-FFF2-40B4-BE49-F238E27FC236}">
+                <a16:creationId xmlns:a16="http://schemas.microsoft.com/office/drawing/2014/main" id="{9E1E6642-7ADC-45D3-ADC8-09EB9A2C2087}"/>
+              </a:ext>
+            </a:extLst>
+          </p:cNvPr>
+          <p:cNvPicPr>
+            <a:picLocks noGrp="1" noChangeAspect="1"/>
+          </p:cNvPicPr>
+          <p:nvPr>
+            <p:ph idx="1"/>
+          </p:nvPr>
+        </p:nvPicPr>
+        <p:blipFill>
+          <a:blip r:embed="rId2">
+            <a:extLst>
+              <a:ext uri="{28A0092B-C50C-407E-A947-70E740481C1C}">
+                <a14:useLocalDpi xmlns:a14="http://schemas.microsoft.com/office/drawing/2010/main" val="0"/>
+              </a:ext>
+            </a:extLst>
+          </a:blip>
+          <a:srcRect/>
+          <a:stretch/>
+        </p:blipFill>
+        <p:spPr>
+          <a:xfrm>
+            <a:off x="243059" y="870012"/>
+            <a:ext cx="11713149" cy="5761602"/>
+          </a:xfrm>
+        </p:spPr>
+      </p:pic>
+    </p:spTree>
+    <p:extLst>
+      <p:ext uri="{BB962C8B-B14F-4D97-AF65-F5344CB8AC3E}">
+        <p14:creationId xmlns:p14="http://schemas.microsoft.com/office/powerpoint/2010/main" val="2227295666"/>
+      </p:ext>
+    </p:extLst>
+  </p:cSld>
+  <p:clrMapOvr>
+    <a:masterClrMapping/>
+  </p:clrMapOvr>
+</p:sld>
+</file>
+
 <file path=ppt/theme/theme1.xml><?xml version="1.0" encoding="utf-8"?>
 <a:theme xmlns:a="http://schemas.openxmlformats.org/drawingml/2006/main" name="Сетка">
   <a:themeElements>
